--- a/ppt 16-9/1605.这是神祝福的地方.pptx
+++ b/ppt 16-9/1605.这是神祝福的地方.pptx
@@ -5,7 +5,7 @@
     <p:sldMasterId id="2147483648" r:id="rId1"/>
   </p:sldMasterIdLst>
   <p:sldIdLst>
-    <p:sldId id="3465" r:id="rId2"/>
+    <p:sldId id="3466" r:id="rId2"/>
   </p:sldIdLst>
   <p:sldSz cx="12192000" cy="6858000"/>
   <p:notesSz cx="6858000" cy="9144000"/>
@@ -129,7 +129,7 @@
           <p:cNvPr id="2" name="标题 1">
             <a:extLst>
               <a:ext uri="{FF2B5EF4-FFF2-40B4-BE49-F238E27FC236}">
-                <a16:creationId xmlns:a16="http://schemas.microsoft.com/office/drawing/2014/main" id="{77D71401-D5E1-7231-60DB-DCC825C3D909}"/>
+                <a16:creationId xmlns:a16="http://schemas.microsoft.com/office/drawing/2014/main" id="{873A76ED-7BE4-2097-EC47-65E335C86118}"/>
               </a:ext>
             </a:extLst>
           </p:cNvPr>
@@ -166,7 +166,7 @@
           <p:cNvPr id="3" name="副标题 2">
             <a:extLst>
               <a:ext uri="{FF2B5EF4-FFF2-40B4-BE49-F238E27FC236}">
-                <a16:creationId xmlns:a16="http://schemas.microsoft.com/office/drawing/2014/main" id="{0B95BE42-CAED-68CC-3CEA-CE1573520C10}"/>
+                <a16:creationId xmlns:a16="http://schemas.microsoft.com/office/drawing/2014/main" id="{602CADB2-0128-101F-9687-C8D83DCE0F9B}"/>
               </a:ext>
             </a:extLst>
           </p:cNvPr>
@@ -236,7 +236,7 @@
           <p:cNvPr id="4" name="日期占位符 3">
             <a:extLst>
               <a:ext uri="{FF2B5EF4-FFF2-40B4-BE49-F238E27FC236}">
-                <a16:creationId xmlns:a16="http://schemas.microsoft.com/office/drawing/2014/main" id="{95A3B845-C33B-AE4B-B9EA-C7675DF3E1C0}"/>
+                <a16:creationId xmlns:a16="http://schemas.microsoft.com/office/drawing/2014/main" id="{6312751F-CC18-741C-6987-35787023A327}"/>
               </a:ext>
             </a:extLst>
           </p:cNvPr>
@@ -252,7 +252,7 @@
           <a:bodyPr/>
           <a:lstStyle/>
           <a:p>
-            <a:fld id="{D705EAA8-1949-4CF6-A1F5-D6217499C098}" type="datetimeFigureOut">
+            <a:fld id="{229A7C23-5E08-42B0-934D-8ADD76A9CB6A}" type="datetimeFigureOut">
               <a:rPr lang="zh-CN" altLang="en-US" smtClean="0"/>
               <a:t>2024/3/10</a:t>
             </a:fld>
@@ -265,7 +265,7 @@
           <p:cNvPr id="5" name="页脚占位符 4">
             <a:extLst>
               <a:ext uri="{FF2B5EF4-FFF2-40B4-BE49-F238E27FC236}">
-                <a16:creationId xmlns:a16="http://schemas.microsoft.com/office/drawing/2014/main" id="{1D4549A9-D065-5058-6754-8F4316E89A35}"/>
+                <a16:creationId xmlns:a16="http://schemas.microsoft.com/office/drawing/2014/main" id="{8B4B87A6-B7E1-F4D4-E3B9-D71D270B30CE}"/>
               </a:ext>
             </a:extLst>
           </p:cNvPr>
@@ -290,7 +290,7 @@
           <p:cNvPr id="6" name="灯片编号占位符 5">
             <a:extLst>
               <a:ext uri="{FF2B5EF4-FFF2-40B4-BE49-F238E27FC236}">
-                <a16:creationId xmlns:a16="http://schemas.microsoft.com/office/drawing/2014/main" id="{70B8C1B4-D9F0-6EEC-B576-8F2FEC079A00}"/>
+                <a16:creationId xmlns:a16="http://schemas.microsoft.com/office/drawing/2014/main" id="{B4061080-57E7-CEE6-FC64-F979F0F32ECA}"/>
               </a:ext>
             </a:extLst>
           </p:cNvPr>
@@ -306,7 +306,7 @@
           <a:bodyPr/>
           <a:lstStyle/>
           <a:p>
-            <a:fld id="{A9473069-E519-4F7A-BAE6-D040406376F6}" type="slidenum">
+            <a:fld id="{86AC8AA2-9053-4E09-9ECD-8709BAAAB842}" type="slidenum">
               <a:rPr lang="zh-CN" altLang="en-US" smtClean="0"/>
               <a:t>‹#›</a:t>
             </a:fld>
@@ -317,7 +317,7 @@
     </p:spTree>
     <p:extLst>
       <p:ext uri="{BB962C8B-B14F-4D97-AF65-F5344CB8AC3E}">
-        <p14:creationId xmlns:p14="http://schemas.microsoft.com/office/powerpoint/2010/main" val="2820746768"/>
+        <p14:creationId xmlns:p14="http://schemas.microsoft.com/office/powerpoint/2010/main" val="3903822010"/>
       </p:ext>
     </p:extLst>
   </p:cSld>
@@ -349,7 +349,7 @@
           <p:cNvPr id="2" name="标题 1">
             <a:extLst>
               <a:ext uri="{FF2B5EF4-FFF2-40B4-BE49-F238E27FC236}">
-                <a16:creationId xmlns:a16="http://schemas.microsoft.com/office/drawing/2014/main" id="{730F3E9D-10A2-0EB8-8AB4-5A26FEFF4DD8}"/>
+                <a16:creationId xmlns:a16="http://schemas.microsoft.com/office/drawing/2014/main" id="{EE3E2F1E-F491-0EDE-D123-7A42A77C5120}"/>
               </a:ext>
             </a:extLst>
           </p:cNvPr>
@@ -377,7 +377,7 @@
           <p:cNvPr id="3" name="竖排文字占位符 2">
             <a:extLst>
               <a:ext uri="{FF2B5EF4-FFF2-40B4-BE49-F238E27FC236}">
-                <a16:creationId xmlns:a16="http://schemas.microsoft.com/office/drawing/2014/main" id="{BF66E657-40F0-E1A2-9CF7-5555AF8C3CC8}"/>
+                <a16:creationId xmlns:a16="http://schemas.microsoft.com/office/drawing/2014/main" id="{6D7CD543-8B02-384D-3E3C-643D7730DF1E}"/>
               </a:ext>
             </a:extLst>
           </p:cNvPr>
@@ -434,7 +434,7 @@
           <p:cNvPr id="4" name="日期占位符 3">
             <a:extLst>
               <a:ext uri="{FF2B5EF4-FFF2-40B4-BE49-F238E27FC236}">
-                <a16:creationId xmlns:a16="http://schemas.microsoft.com/office/drawing/2014/main" id="{51C0FFF5-198F-189D-03A6-9769E8F7E048}"/>
+                <a16:creationId xmlns:a16="http://schemas.microsoft.com/office/drawing/2014/main" id="{DA50779D-D346-25C2-DBBD-ABB9E7F3BC23}"/>
               </a:ext>
             </a:extLst>
           </p:cNvPr>
@@ -450,7 +450,7 @@
           <a:bodyPr/>
           <a:lstStyle/>
           <a:p>
-            <a:fld id="{D705EAA8-1949-4CF6-A1F5-D6217499C098}" type="datetimeFigureOut">
+            <a:fld id="{229A7C23-5E08-42B0-934D-8ADD76A9CB6A}" type="datetimeFigureOut">
               <a:rPr lang="zh-CN" altLang="en-US" smtClean="0"/>
               <a:t>2024/3/10</a:t>
             </a:fld>
@@ -463,7 +463,7 @@
           <p:cNvPr id="5" name="页脚占位符 4">
             <a:extLst>
               <a:ext uri="{FF2B5EF4-FFF2-40B4-BE49-F238E27FC236}">
-                <a16:creationId xmlns:a16="http://schemas.microsoft.com/office/drawing/2014/main" id="{1D647EFF-C84B-A42F-0804-C447F486AB1E}"/>
+                <a16:creationId xmlns:a16="http://schemas.microsoft.com/office/drawing/2014/main" id="{5388DDB4-B09F-7FB8-66A2-B632574876B1}"/>
               </a:ext>
             </a:extLst>
           </p:cNvPr>
@@ -488,7 +488,7 @@
           <p:cNvPr id="6" name="灯片编号占位符 5">
             <a:extLst>
               <a:ext uri="{FF2B5EF4-FFF2-40B4-BE49-F238E27FC236}">
-                <a16:creationId xmlns:a16="http://schemas.microsoft.com/office/drawing/2014/main" id="{0D9C7AA7-91B8-058E-F15C-0EB656549BBB}"/>
+                <a16:creationId xmlns:a16="http://schemas.microsoft.com/office/drawing/2014/main" id="{F3747D36-93AA-D5E7-8E12-249D91DA7231}"/>
               </a:ext>
             </a:extLst>
           </p:cNvPr>
@@ -504,7 +504,7 @@
           <a:bodyPr/>
           <a:lstStyle/>
           <a:p>
-            <a:fld id="{A9473069-E519-4F7A-BAE6-D040406376F6}" type="slidenum">
+            <a:fld id="{86AC8AA2-9053-4E09-9ECD-8709BAAAB842}" type="slidenum">
               <a:rPr lang="zh-CN" altLang="en-US" smtClean="0"/>
               <a:t>‹#›</a:t>
             </a:fld>
@@ -515,7 +515,7 @@
     </p:spTree>
     <p:extLst>
       <p:ext uri="{BB962C8B-B14F-4D97-AF65-F5344CB8AC3E}">
-        <p14:creationId xmlns:p14="http://schemas.microsoft.com/office/powerpoint/2010/main" val="3289222207"/>
+        <p14:creationId xmlns:p14="http://schemas.microsoft.com/office/powerpoint/2010/main" val="1766586951"/>
       </p:ext>
     </p:extLst>
   </p:cSld>
@@ -547,7 +547,7 @@
           <p:cNvPr id="2" name="竖排标题 1">
             <a:extLst>
               <a:ext uri="{FF2B5EF4-FFF2-40B4-BE49-F238E27FC236}">
-                <a16:creationId xmlns:a16="http://schemas.microsoft.com/office/drawing/2014/main" id="{172ED6E4-9162-E9E1-1004-87CF03E0A089}"/>
+                <a16:creationId xmlns:a16="http://schemas.microsoft.com/office/drawing/2014/main" id="{A57EB524-3ACF-FC76-E7C7-607E36AF5228}"/>
               </a:ext>
             </a:extLst>
           </p:cNvPr>
@@ -580,7 +580,7 @@
           <p:cNvPr id="3" name="竖排文字占位符 2">
             <a:extLst>
               <a:ext uri="{FF2B5EF4-FFF2-40B4-BE49-F238E27FC236}">
-                <a16:creationId xmlns:a16="http://schemas.microsoft.com/office/drawing/2014/main" id="{01C22F8E-D52B-490D-013E-A1DBE1FCDCE9}"/>
+                <a16:creationId xmlns:a16="http://schemas.microsoft.com/office/drawing/2014/main" id="{BAD83321-BC38-30C2-3E56-E32C106BBDEE}"/>
               </a:ext>
             </a:extLst>
           </p:cNvPr>
@@ -642,7 +642,7 @@
           <p:cNvPr id="4" name="日期占位符 3">
             <a:extLst>
               <a:ext uri="{FF2B5EF4-FFF2-40B4-BE49-F238E27FC236}">
-                <a16:creationId xmlns:a16="http://schemas.microsoft.com/office/drawing/2014/main" id="{FBB3F0FA-1655-4E5F-7554-90544797AE67}"/>
+                <a16:creationId xmlns:a16="http://schemas.microsoft.com/office/drawing/2014/main" id="{355A360C-7BFE-5C2F-863E-E7CF56DCC094}"/>
               </a:ext>
             </a:extLst>
           </p:cNvPr>
@@ -658,7 +658,7 @@
           <a:bodyPr/>
           <a:lstStyle/>
           <a:p>
-            <a:fld id="{D705EAA8-1949-4CF6-A1F5-D6217499C098}" type="datetimeFigureOut">
+            <a:fld id="{229A7C23-5E08-42B0-934D-8ADD76A9CB6A}" type="datetimeFigureOut">
               <a:rPr lang="zh-CN" altLang="en-US" smtClean="0"/>
               <a:t>2024/3/10</a:t>
             </a:fld>
@@ -671,7 +671,7 @@
           <p:cNvPr id="5" name="页脚占位符 4">
             <a:extLst>
               <a:ext uri="{FF2B5EF4-FFF2-40B4-BE49-F238E27FC236}">
-                <a16:creationId xmlns:a16="http://schemas.microsoft.com/office/drawing/2014/main" id="{E6CCC815-171A-7F2D-6932-106CCA9E5A05}"/>
+                <a16:creationId xmlns:a16="http://schemas.microsoft.com/office/drawing/2014/main" id="{7344E250-E4D0-B9E6-08F0-053A2921A239}"/>
               </a:ext>
             </a:extLst>
           </p:cNvPr>
@@ -696,7 +696,7 @@
           <p:cNvPr id="6" name="灯片编号占位符 5">
             <a:extLst>
               <a:ext uri="{FF2B5EF4-FFF2-40B4-BE49-F238E27FC236}">
-                <a16:creationId xmlns:a16="http://schemas.microsoft.com/office/drawing/2014/main" id="{6EEE8A14-B621-1511-A519-40C9CCF81CF8}"/>
+                <a16:creationId xmlns:a16="http://schemas.microsoft.com/office/drawing/2014/main" id="{BEB6C01B-4BBE-2351-2296-4D5ECF753AE9}"/>
               </a:ext>
             </a:extLst>
           </p:cNvPr>
@@ -712,7 +712,7 @@
           <a:bodyPr/>
           <a:lstStyle/>
           <a:p>
-            <a:fld id="{A9473069-E519-4F7A-BAE6-D040406376F6}" type="slidenum">
+            <a:fld id="{86AC8AA2-9053-4E09-9ECD-8709BAAAB842}" type="slidenum">
               <a:rPr lang="zh-CN" altLang="en-US" smtClean="0"/>
               <a:t>‹#›</a:t>
             </a:fld>
@@ -723,7 +723,7 @@
     </p:spTree>
     <p:extLst>
       <p:ext uri="{BB962C8B-B14F-4D97-AF65-F5344CB8AC3E}">
-        <p14:creationId xmlns:p14="http://schemas.microsoft.com/office/powerpoint/2010/main" val="2124011588"/>
+        <p14:creationId xmlns:p14="http://schemas.microsoft.com/office/powerpoint/2010/main" val="3646632325"/>
       </p:ext>
     </p:extLst>
   </p:cSld>
@@ -755,7 +755,7 @@
           <p:cNvPr id="2" name="标题 1">
             <a:extLst>
               <a:ext uri="{FF2B5EF4-FFF2-40B4-BE49-F238E27FC236}">
-                <a16:creationId xmlns:a16="http://schemas.microsoft.com/office/drawing/2014/main" id="{F7A25250-CDAE-A230-299E-BD3FE9AC7AD3}"/>
+                <a16:creationId xmlns:a16="http://schemas.microsoft.com/office/drawing/2014/main" id="{4F4376A1-2CAF-96EB-293C-AB7E0BF6A8AB}"/>
               </a:ext>
             </a:extLst>
           </p:cNvPr>
@@ -783,7 +783,7 @@
           <p:cNvPr id="3" name="内容占位符 2">
             <a:extLst>
               <a:ext uri="{FF2B5EF4-FFF2-40B4-BE49-F238E27FC236}">
-                <a16:creationId xmlns:a16="http://schemas.microsoft.com/office/drawing/2014/main" id="{A065D07B-63ED-E7A2-81FD-8A7D18BA181C}"/>
+                <a16:creationId xmlns:a16="http://schemas.microsoft.com/office/drawing/2014/main" id="{C663EDF6-A14F-011E-16B2-260F8F85B9A9}"/>
               </a:ext>
             </a:extLst>
           </p:cNvPr>
@@ -840,7 +840,7 @@
           <p:cNvPr id="4" name="日期占位符 3">
             <a:extLst>
               <a:ext uri="{FF2B5EF4-FFF2-40B4-BE49-F238E27FC236}">
-                <a16:creationId xmlns:a16="http://schemas.microsoft.com/office/drawing/2014/main" id="{27EEDB0E-5780-BF39-A823-1063E7EC978C}"/>
+                <a16:creationId xmlns:a16="http://schemas.microsoft.com/office/drawing/2014/main" id="{3ECC7E5C-7063-4944-014F-3730EBC0EBBA}"/>
               </a:ext>
             </a:extLst>
           </p:cNvPr>
@@ -856,7 +856,7 @@
           <a:bodyPr/>
           <a:lstStyle/>
           <a:p>
-            <a:fld id="{D705EAA8-1949-4CF6-A1F5-D6217499C098}" type="datetimeFigureOut">
+            <a:fld id="{229A7C23-5E08-42B0-934D-8ADD76A9CB6A}" type="datetimeFigureOut">
               <a:rPr lang="zh-CN" altLang="en-US" smtClean="0"/>
               <a:t>2024/3/10</a:t>
             </a:fld>
@@ -869,7 +869,7 @@
           <p:cNvPr id="5" name="页脚占位符 4">
             <a:extLst>
               <a:ext uri="{FF2B5EF4-FFF2-40B4-BE49-F238E27FC236}">
-                <a16:creationId xmlns:a16="http://schemas.microsoft.com/office/drawing/2014/main" id="{6C918050-0760-F6F0-EE4A-704EE14C8AD0}"/>
+                <a16:creationId xmlns:a16="http://schemas.microsoft.com/office/drawing/2014/main" id="{FDE8112C-4C5E-0115-9893-1DA8ECBABA58}"/>
               </a:ext>
             </a:extLst>
           </p:cNvPr>
@@ -894,7 +894,7 @@
           <p:cNvPr id="6" name="灯片编号占位符 5">
             <a:extLst>
               <a:ext uri="{FF2B5EF4-FFF2-40B4-BE49-F238E27FC236}">
-                <a16:creationId xmlns:a16="http://schemas.microsoft.com/office/drawing/2014/main" id="{4C299D32-E8F3-D1C4-7AB8-54E11CCB77F6}"/>
+                <a16:creationId xmlns:a16="http://schemas.microsoft.com/office/drawing/2014/main" id="{A004CCEB-BD2C-B667-80BC-51342BB39F7F}"/>
               </a:ext>
             </a:extLst>
           </p:cNvPr>
@@ -910,7 +910,7 @@
           <a:bodyPr/>
           <a:lstStyle/>
           <a:p>
-            <a:fld id="{A9473069-E519-4F7A-BAE6-D040406376F6}" type="slidenum">
+            <a:fld id="{86AC8AA2-9053-4E09-9ECD-8709BAAAB842}" type="slidenum">
               <a:rPr lang="zh-CN" altLang="en-US" smtClean="0"/>
               <a:t>‹#›</a:t>
             </a:fld>
@@ -921,7 +921,7 @@
     </p:spTree>
     <p:extLst>
       <p:ext uri="{BB962C8B-B14F-4D97-AF65-F5344CB8AC3E}">
-        <p14:creationId xmlns:p14="http://schemas.microsoft.com/office/powerpoint/2010/main" val="3318556464"/>
+        <p14:creationId xmlns:p14="http://schemas.microsoft.com/office/powerpoint/2010/main" val="828157423"/>
       </p:ext>
     </p:extLst>
   </p:cSld>
@@ -953,7 +953,7 @@
           <p:cNvPr id="2" name="标题 1">
             <a:extLst>
               <a:ext uri="{FF2B5EF4-FFF2-40B4-BE49-F238E27FC236}">
-                <a16:creationId xmlns:a16="http://schemas.microsoft.com/office/drawing/2014/main" id="{08731CC6-2B9F-0937-4396-BDBCD8BE1EED}"/>
+                <a16:creationId xmlns:a16="http://schemas.microsoft.com/office/drawing/2014/main" id="{4C1968D3-CBB4-3485-926B-1BBC949CFE85}"/>
               </a:ext>
             </a:extLst>
           </p:cNvPr>
@@ -990,7 +990,7 @@
           <p:cNvPr id="3" name="文本占位符 2">
             <a:extLst>
               <a:ext uri="{FF2B5EF4-FFF2-40B4-BE49-F238E27FC236}">
-                <a16:creationId xmlns:a16="http://schemas.microsoft.com/office/drawing/2014/main" id="{7B7295A1-D758-1E38-B390-18BF55F3A719}"/>
+                <a16:creationId xmlns:a16="http://schemas.microsoft.com/office/drawing/2014/main" id="{005CEF35-40A6-A921-6FCB-2B02BE0C3ABC}"/>
               </a:ext>
             </a:extLst>
           </p:cNvPr>
@@ -1115,7 +1115,7 @@
           <p:cNvPr id="4" name="日期占位符 3">
             <a:extLst>
               <a:ext uri="{FF2B5EF4-FFF2-40B4-BE49-F238E27FC236}">
-                <a16:creationId xmlns:a16="http://schemas.microsoft.com/office/drawing/2014/main" id="{EA27FD69-33F5-D7B0-338D-3CEECEAAB3BD}"/>
+                <a16:creationId xmlns:a16="http://schemas.microsoft.com/office/drawing/2014/main" id="{EBA3A728-6E8D-44B6-6147-95EC21B1CEDD}"/>
               </a:ext>
             </a:extLst>
           </p:cNvPr>
@@ -1131,7 +1131,7 @@
           <a:bodyPr/>
           <a:lstStyle/>
           <a:p>
-            <a:fld id="{D705EAA8-1949-4CF6-A1F5-D6217499C098}" type="datetimeFigureOut">
+            <a:fld id="{229A7C23-5E08-42B0-934D-8ADD76A9CB6A}" type="datetimeFigureOut">
               <a:rPr lang="zh-CN" altLang="en-US" smtClean="0"/>
               <a:t>2024/3/10</a:t>
             </a:fld>
@@ -1144,7 +1144,7 @@
           <p:cNvPr id="5" name="页脚占位符 4">
             <a:extLst>
               <a:ext uri="{FF2B5EF4-FFF2-40B4-BE49-F238E27FC236}">
-                <a16:creationId xmlns:a16="http://schemas.microsoft.com/office/drawing/2014/main" id="{3B3ABA19-6F49-1338-F919-37350FCCCFD9}"/>
+                <a16:creationId xmlns:a16="http://schemas.microsoft.com/office/drawing/2014/main" id="{469AB212-F6F0-26D7-90CE-FDF5C4A5A365}"/>
               </a:ext>
             </a:extLst>
           </p:cNvPr>
@@ -1169,7 +1169,7 @@
           <p:cNvPr id="6" name="灯片编号占位符 5">
             <a:extLst>
               <a:ext uri="{FF2B5EF4-FFF2-40B4-BE49-F238E27FC236}">
-                <a16:creationId xmlns:a16="http://schemas.microsoft.com/office/drawing/2014/main" id="{CE0BFF97-8FBB-6046-21A8-B9C29A464A6B}"/>
+                <a16:creationId xmlns:a16="http://schemas.microsoft.com/office/drawing/2014/main" id="{2C0F49AA-46C6-7A6B-D75C-7E0925EAE4D5}"/>
               </a:ext>
             </a:extLst>
           </p:cNvPr>
@@ -1185,7 +1185,7 @@
           <a:bodyPr/>
           <a:lstStyle/>
           <a:p>
-            <a:fld id="{A9473069-E519-4F7A-BAE6-D040406376F6}" type="slidenum">
+            <a:fld id="{86AC8AA2-9053-4E09-9ECD-8709BAAAB842}" type="slidenum">
               <a:rPr lang="zh-CN" altLang="en-US" smtClean="0"/>
               <a:t>‹#›</a:t>
             </a:fld>
@@ -1196,7 +1196,7 @@
     </p:spTree>
     <p:extLst>
       <p:ext uri="{BB962C8B-B14F-4D97-AF65-F5344CB8AC3E}">
-        <p14:creationId xmlns:p14="http://schemas.microsoft.com/office/powerpoint/2010/main" val="3870152069"/>
+        <p14:creationId xmlns:p14="http://schemas.microsoft.com/office/powerpoint/2010/main" val="2963962137"/>
       </p:ext>
     </p:extLst>
   </p:cSld>
@@ -1228,7 +1228,7 @@
           <p:cNvPr id="2" name="标题 1">
             <a:extLst>
               <a:ext uri="{FF2B5EF4-FFF2-40B4-BE49-F238E27FC236}">
-                <a16:creationId xmlns:a16="http://schemas.microsoft.com/office/drawing/2014/main" id="{88287EEB-C5A6-2744-47A6-701EECE26785}"/>
+                <a16:creationId xmlns:a16="http://schemas.microsoft.com/office/drawing/2014/main" id="{3FAEDC7D-2FE9-83CA-EE8B-53D736CFDA00}"/>
               </a:ext>
             </a:extLst>
           </p:cNvPr>
@@ -1256,7 +1256,7 @@
           <p:cNvPr id="3" name="内容占位符 2">
             <a:extLst>
               <a:ext uri="{FF2B5EF4-FFF2-40B4-BE49-F238E27FC236}">
-                <a16:creationId xmlns:a16="http://schemas.microsoft.com/office/drawing/2014/main" id="{143EBE2A-CF37-C510-51BD-5E6B9C3DE8AE}"/>
+                <a16:creationId xmlns:a16="http://schemas.microsoft.com/office/drawing/2014/main" id="{765DACE8-49D5-D1EA-7D01-669C31D765B9}"/>
               </a:ext>
             </a:extLst>
           </p:cNvPr>
@@ -1318,7 +1318,7 @@
           <p:cNvPr id="4" name="内容占位符 3">
             <a:extLst>
               <a:ext uri="{FF2B5EF4-FFF2-40B4-BE49-F238E27FC236}">
-                <a16:creationId xmlns:a16="http://schemas.microsoft.com/office/drawing/2014/main" id="{327E712E-5F9F-6268-1C28-ADAEFA6F8862}"/>
+                <a16:creationId xmlns:a16="http://schemas.microsoft.com/office/drawing/2014/main" id="{5BB5B052-8E53-5B84-9310-B305FA3F6E42}"/>
               </a:ext>
             </a:extLst>
           </p:cNvPr>
@@ -1380,7 +1380,7 @@
           <p:cNvPr id="5" name="日期占位符 4">
             <a:extLst>
               <a:ext uri="{FF2B5EF4-FFF2-40B4-BE49-F238E27FC236}">
-                <a16:creationId xmlns:a16="http://schemas.microsoft.com/office/drawing/2014/main" id="{38CDED04-1A9E-04E5-AF72-07E8959016D6}"/>
+                <a16:creationId xmlns:a16="http://schemas.microsoft.com/office/drawing/2014/main" id="{453B5435-28C3-A07C-4DE4-FE85334EAD8E}"/>
               </a:ext>
             </a:extLst>
           </p:cNvPr>
@@ -1396,7 +1396,7 @@
           <a:bodyPr/>
           <a:lstStyle/>
           <a:p>
-            <a:fld id="{D705EAA8-1949-4CF6-A1F5-D6217499C098}" type="datetimeFigureOut">
+            <a:fld id="{229A7C23-5E08-42B0-934D-8ADD76A9CB6A}" type="datetimeFigureOut">
               <a:rPr lang="zh-CN" altLang="en-US" smtClean="0"/>
               <a:t>2024/3/10</a:t>
             </a:fld>
@@ -1409,7 +1409,7 @@
           <p:cNvPr id="6" name="页脚占位符 5">
             <a:extLst>
               <a:ext uri="{FF2B5EF4-FFF2-40B4-BE49-F238E27FC236}">
-                <a16:creationId xmlns:a16="http://schemas.microsoft.com/office/drawing/2014/main" id="{E350C8D0-D19E-1FA9-CD44-56F0EA52F97C}"/>
+                <a16:creationId xmlns:a16="http://schemas.microsoft.com/office/drawing/2014/main" id="{3EED7C20-8C54-CCEF-E13B-60220B6D8A0B}"/>
               </a:ext>
             </a:extLst>
           </p:cNvPr>
@@ -1434,7 +1434,7 @@
           <p:cNvPr id="7" name="灯片编号占位符 6">
             <a:extLst>
               <a:ext uri="{FF2B5EF4-FFF2-40B4-BE49-F238E27FC236}">
-                <a16:creationId xmlns:a16="http://schemas.microsoft.com/office/drawing/2014/main" id="{2759B850-2A55-3EAE-0553-CE3CB07A1801}"/>
+                <a16:creationId xmlns:a16="http://schemas.microsoft.com/office/drawing/2014/main" id="{EEACDD02-A125-7AC6-5167-7D14D4618CC2}"/>
               </a:ext>
             </a:extLst>
           </p:cNvPr>
@@ -1450,7 +1450,7 @@
           <a:bodyPr/>
           <a:lstStyle/>
           <a:p>
-            <a:fld id="{A9473069-E519-4F7A-BAE6-D040406376F6}" type="slidenum">
+            <a:fld id="{86AC8AA2-9053-4E09-9ECD-8709BAAAB842}" type="slidenum">
               <a:rPr lang="zh-CN" altLang="en-US" smtClean="0"/>
               <a:t>‹#›</a:t>
             </a:fld>
@@ -1461,7 +1461,7 @@
     </p:spTree>
     <p:extLst>
       <p:ext uri="{BB962C8B-B14F-4D97-AF65-F5344CB8AC3E}">
-        <p14:creationId xmlns:p14="http://schemas.microsoft.com/office/powerpoint/2010/main" val="2365920182"/>
+        <p14:creationId xmlns:p14="http://schemas.microsoft.com/office/powerpoint/2010/main" val="322705305"/>
       </p:ext>
     </p:extLst>
   </p:cSld>
@@ -1493,7 +1493,7 @@
           <p:cNvPr id="2" name="标题 1">
             <a:extLst>
               <a:ext uri="{FF2B5EF4-FFF2-40B4-BE49-F238E27FC236}">
-                <a16:creationId xmlns:a16="http://schemas.microsoft.com/office/drawing/2014/main" id="{7A731569-0C89-2167-1015-7AA27E399ABA}"/>
+                <a16:creationId xmlns:a16="http://schemas.microsoft.com/office/drawing/2014/main" id="{809C24F6-EF81-CB64-8D8C-8C5959CAE7D1}"/>
               </a:ext>
             </a:extLst>
           </p:cNvPr>
@@ -1526,7 +1526,7 @@
           <p:cNvPr id="3" name="文本占位符 2">
             <a:extLst>
               <a:ext uri="{FF2B5EF4-FFF2-40B4-BE49-F238E27FC236}">
-                <a16:creationId xmlns:a16="http://schemas.microsoft.com/office/drawing/2014/main" id="{FE4EC544-08BB-E2E7-2630-6EF026068267}"/>
+                <a16:creationId xmlns:a16="http://schemas.microsoft.com/office/drawing/2014/main" id="{82C37A7A-E954-83DC-5BA9-6D6C02246471}"/>
               </a:ext>
             </a:extLst>
           </p:cNvPr>
@@ -1597,7 +1597,7 @@
           <p:cNvPr id="4" name="内容占位符 3">
             <a:extLst>
               <a:ext uri="{FF2B5EF4-FFF2-40B4-BE49-F238E27FC236}">
-                <a16:creationId xmlns:a16="http://schemas.microsoft.com/office/drawing/2014/main" id="{7E4D7496-DE7B-9063-7A7A-C90FFE4E8E99}"/>
+                <a16:creationId xmlns:a16="http://schemas.microsoft.com/office/drawing/2014/main" id="{758343F0-3D75-F9CC-BD6A-B0742EAEE876}"/>
               </a:ext>
             </a:extLst>
           </p:cNvPr>
@@ -1659,7 +1659,7 @@
           <p:cNvPr id="5" name="文本占位符 4">
             <a:extLst>
               <a:ext uri="{FF2B5EF4-FFF2-40B4-BE49-F238E27FC236}">
-                <a16:creationId xmlns:a16="http://schemas.microsoft.com/office/drawing/2014/main" id="{0A701C29-767A-8DEB-F008-0DFD1C0A3797}"/>
+                <a16:creationId xmlns:a16="http://schemas.microsoft.com/office/drawing/2014/main" id="{975B8EC9-51D5-C0C3-BD7A-93392729B749}"/>
               </a:ext>
             </a:extLst>
           </p:cNvPr>
@@ -1730,7 +1730,7 @@
           <p:cNvPr id="6" name="内容占位符 5">
             <a:extLst>
               <a:ext uri="{FF2B5EF4-FFF2-40B4-BE49-F238E27FC236}">
-                <a16:creationId xmlns:a16="http://schemas.microsoft.com/office/drawing/2014/main" id="{A6A51A5B-E577-B772-4426-5F79F04EAED4}"/>
+                <a16:creationId xmlns:a16="http://schemas.microsoft.com/office/drawing/2014/main" id="{6B50EE5D-37C8-08AB-A1F7-68343DD133C4}"/>
               </a:ext>
             </a:extLst>
           </p:cNvPr>
@@ -1792,7 +1792,7 @@
           <p:cNvPr id="7" name="日期占位符 6">
             <a:extLst>
               <a:ext uri="{FF2B5EF4-FFF2-40B4-BE49-F238E27FC236}">
-                <a16:creationId xmlns:a16="http://schemas.microsoft.com/office/drawing/2014/main" id="{5018A757-CE52-0D24-7CB7-17286710A34E}"/>
+                <a16:creationId xmlns:a16="http://schemas.microsoft.com/office/drawing/2014/main" id="{8958F005-12EE-EFE8-D349-BA9C4D8E2A8A}"/>
               </a:ext>
             </a:extLst>
           </p:cNvPr>
@@ -1808,7 +1808,7 @@
           <a:bodyPr/>
           <a:lstStyle/>
           <a:p>
-            <a:fld id="{D705EAA8-1949-4CF6-A1F5-D6217499C098}" type="datetimeFigureOut">
+            <a:fld id="{229A7C23-5E08-42B0-934D-8ADD76A9CB6A}" type="datetimeFigureOut">
               <a:rPr lang="zh-CN" altLang="en-US" smtClean="0"/>
               <a:t>2024/3/10</a:t>
             </a:fld>
@@ -1821,7 +1821,7 @@
           <p:cNvPr id="8" name="页脚占位符 7">
             <a:extLst>
               <a:ext uri="{FF2B5EF4-FFF2-40B4-BE49-F238E27FC236}">
-                <a16:creationId xmlns:a16="http://schemas.microsoft.com/office/drawing/2014/main" id="{9D01A93E-92CB-C24A-0190-0F7B3B67099C}"/>
+                <a16:creationId xmlns:a16="http://schemas.microsoft.com/office/drawing/2014/main" id="{6CD6DCA6-668C-E635-84AA-516EF5FF5281}"/>
               </a:ext>
             </a:extLst>
           </p:cNvPr>
@@ -1846,7 +1846,7 @@
           <p:cNvPr id="9" name="灯片编号占位符 8">
             <a:extLst>
               <a:ext uri="{FF2B5EF4-FFF2-40B4-BE49-F238E27FC236}">
-                <a16:creationId xmlns:a16="http://schemas.microsoft.com/office/drawing/2014/main" id="{FCD6758C-97A8-65ED-876D-818B212F21C1}"/>
+                <a16:creationId xmlns:a16="http://schemas.microsoft.com/office/drawing/2014/main" id="{554F57E8-93BF-6614-2FB8-820612189D62}"/>
               </a:ext>
             </a:extLst>
           </p:cNvPr>
@@ -1862,7 +1862,7 @@
           <a:bodyPr/>
           <a:lstStyle/>
           <a:p>
-            <a:fld id="{A9473069-E519-4F7A-BAE6-D040406376F6}" type="slidenum">
+            <a:fld id="{86AC8AA2-9053-4E09-9ECD-8709BAAAB842}" type="slidenum">
               <a:rPr lang="zh-CN" altLang="en-US" smtClean="0"/>
               <a:t>‹#›</a:t>
             </a:fld>
@@ -1873,7 +1873,7 @@
     </p:spTree>
     <p:extLst>
       <p:ext uri="{BB962C8B-B14F-4D97-AF65-F5344CB8AC3E}">
-        <p14:creationId xmlns:p14="http://schemas.microsoft.com/office/powerpoint/2010/main" val="4170497332"/>
+        <p14:creationId xmlns:p14="http://schemas.microsoft.com/office/powerpoint/2010/main" val="3678067131"/>
       </p:ext>
     </p:extLst>
   </p:cSld>
@@ -1905,7 +1905,7 @@
           <p:cNvPr id="2" name="标题 1">
             <a:extLst>
               <a:ext uri="{FF2B5EF4-FFF2-40B4-BE49-F238E27FC236}">
-                <a16:creationId xmlns:a16="http://schemas.microsoft.com/office/drawing/2014/main" id="{2921B6CF-2716-3441-5AC4-071C7DF19CEC}"/>
+                <a16:creationId xmlns:a16="http://schemas.microsoft.com/office/drawing/2014/main" id="{C01FD9BB-6CEE-C9CC-C147-373DEE662798}"/>
               </a:ext>
             </a:extLst>
           </p:cNvPr>
@@ -1933,7 +1933,7 @@
           <p:cNvPr id="3" name="日期占位符 2">
             <a:extLst>
               <a:ext uri="{FF2B5EF4-FFF2-40B4-BE49-F238E27FC236}">
-                <a16:creationId xmlns:a16="http://schemas.microsoft.com/office/drawing/2014/main" id="{6685FF55-483C-2A34-D6C3-F93345BCA58F}"/>
+                <a16:creationId xmlns:a16="http://schemas.microsoft.com/office/drawing/2014/main" id="{AF23BF06-F210-BDB5-7F48-165CD0CFBE0E}"/>
               </a:ext>
             </a:extLst>
           </p:cNvPr>
@@ -1949,7 +1949,7 @@
           <a:bodyPr/>
           <a:lstStyle/>
           <a:p>
-            <a:fld id="{D705EAA8-1949-4CF6-A1F5-D6217499C098}" type="datetimeFigureOut">
+            <a:fld id="{229A7C23-5E08-42B0-934D-8ADD76A9CB6A}" type="datetimeFigureOut">
               <a:rPr lang="zh-CN" altLang="en-US" smtClean="0"/>
               <a:t>2024/3/10</a:t>
             </a:fld>
@@ -1962,7 +1962,7 @@
           <p:cNvPr id="4" name="页脚占位符 3">
             <a:extLst>
               <a:ext uri="{FF2B5EF4-FFF2-40B4-BE49-F238E27FC236}">
-                <a16:creationId xmlns:a16="http://schemas.microsoft.com/office/drawing/2014/main" id="{D175DC48-1275-5695-0ACF-CFCAA954A6AB}"/>
+                <a16:creationId xmlns:a16="http://schemas.microsoft.com/office/drawing/2014/main" id="{0AB1273A-D135-F632-550C-D1DF69CD42C5}"/>
               </a:ext>
             </a:extLst>
           </p:cNvPr>
@@ -1987,7 +1987,7 @@
           <p:cNvPr id="5" name="灯片编号占位符 4">
             <a:extLst>
               <a:ext uri="{FF2B5EF4-FFF2-40B4-BE49-F238E27FC236}">
-                <a16:creationId xmlns:a16="http://schemas.microsoft.com/office/drawing/2014/main" id="{5AC12C29-9693-FAA6-3721-2CC360BC9E2B}"/>
+                <a16:creationId xmlns:a16="http://schemas.microsoft.com/office/drawing/2014/main" id="{1BE2BA0F-FC73-025E-4D40-7C32EDA7F26D}"/>
               </a:ext>
             </a:extLst>
           </p:cNvPr>
@@ -2003,7 +2003,7 @@
           <a:bodyPr/>
           <a:lstStyle/>
           <a:p>
-            <a:fld id="{A9473069-E519-4F7A-BAE6-D040406376F6}" type="slidenum">
+            <a:fld id="{86AC8AA2-9053-4E09-9ECD-8709BAAAB842}" type="slidenum">
               <a:rPr lang="zh-CN" altLang="en-US" smtClean="0"/>
               <a:t>‹#›</a:t>
             </a:fld>
@@ -2014,7 +2014,7 @@
     </p:spTree>
     <p:extLst>
       <p:ext uri="{BB962C8B-B14F-4D97-AF65-F5344CB8AC3E}">
-        <p14:creationId xmlns:p14="http://schemas.microsoft.com/office/powerpoint/2010/main" val="3409244690"/>
+        <p14:creationId xmlns:p14="http://schemas.microsoft.com/office/powerpoint/2010/main" val="1659626236"/>
       </p:ext>
     </p:extLst>
   </p:cSld>
@@ -2046,7 +2046,7 @@
           <p:cNvPr id="2" name="日期占位符 1">
             <a:extLst>
               <a:ext uri="{FF2B5EF4-FFF2-40B4-BE49-F238E27FC236}">
-                <a16:creationId xmlns:a16="http://schemas.microsoft.com/office/drawing/2014/main" id="{6959DABF-46AC-EF39-E182-99C08293707D}"/>
+                <a16:creationId xmlns:a16="http://schemas.microsoft.com/office/drawing/2014/main" id="{80199D1E-4270-9877-7558-9979A758341E}"/>
               </a:ext>
             </a:extLst>
           </p:cNvPr>
@@ -2062,7 +2062,7 @@
           <a:bodyPr/>
           <a:lstStyle/>
           <a:p>
-            <a:fld id="{D705EAA8-1949-4CF6-A1F5-D6217499C098}" type="datetimeFigureOut">
+            <a:fld id="{229A7C23-5E08-42B0-934D-8ADD76A9CB6A}" type="datetimeFigureOut">
               <a:rPr lang="zh-CN" altLang="en-US" smtClean="0"/>
               <a:t>2024/3/10</a:t>
             </a:fld>
@@ -2075,7 +2075,7 @@
           <p:cNvPr id="3" name="页脚占位符 2">
             <a:extLst>
               <a:ext uri="{FF2B5EF4-FFF2-40B4-BE49-F238E27FC236}">
-                <a16:creationId xmlns:a16="http://schemas.microsoft.com/office/drawing/2014/main" id="{D0C2FE09-A866-FE67-6756-D2FBF4F9F811}"/>
+                <a16:creationId xmlns:a16="http://schemas.microsoft.com/office/drawing/2014/main" id="{EABAA7C2-2E7E-AAD0-312E-23A508B722E6}"/>
               </a:ext>
             </a:extLst>
           </p:cNvPr>
@@ -2100,7 +2100,7 @@
           <p:cNvPr id="4" name="灯片编号占位符 3">
             <a:extLst>
               <a:ext uri="{FF2B5EF4-FFF2-40B4-BE49-F238E27FC236}">
-                <a16:creationId xmlns:a16="http://schemas.microsoft.com/office/drawing/2014/main" id="{1BC0891D-EC4B-5E86-527B-DD1BC6341DF4}"/>
+                <a16:creationId xmlns:a16="http://schemas.microsoft.com/office/drawing/2014/main" id="{095B9A0D-4FEE-1C91-ADDA-9FDC77AD75D4}"/>
               </a:ext>
             </a:extLst>
           </p:cNvPr>
@@ -2116,7 +2116,7 @@
           <a:bodyPr/>
           <a:lstStyle/>
           <a:p>
-            <a:fld id="{A9473069-E519-4F7A-BAE6-D040406376F6}" type="slidenum">
+            <a:fld id="{86AC8AA2-9053-4E09-9ECD-8709BAAAB842}" type="slidenum">
               <a:rPr lang="zh-CN" altLang="en-US" smtClean="0"/>
               <a:t>‹#›</a:t>
             </a:fld>
@@ -2127,7 +2127,7 @@
     </p:spTree>
     <p:extLst>
       <p:ext uri="{BB962C8B-B14F-4D97-AF65-F5344CB8AC3E}">
-        <p14:creationId xmlns:p14="http://schemas.microsoft.com/office/powerpoint/2010/main" val="1717089076"/>
+        <p14:creationId xmlns:p14="http://schemas.microsoft.com/office/powerpoint/2010/main" val="655057426"/>
       </p:ext>
     </p:extLst>
   </p:cSld>
@@ -2159,7 +2159,7 @@
           <p:cNvPr id="2" name="标题 1">
             <a:extLst>
               <a:ext uri="{FF2B5EF4-FFF2-40B4-BE49-F238E27FC236}">
-                <a16:creationId xmlns:a16="http://schemas.microsoft.com/office/drawing/2014/main" id="{9AD406CB-18EE-1C8C-CCFE-786F53C9DC93}"/>
+                <a16:creationId xmlns:a16="http://schemas.microsoft.com/office/drawing/2014/main" id="{18C64567-CB8E-FAFE-7FEB-F09ADE7B5346}"/>
               </a:ext>
             </a:extLst>
           </p:cNvPr>
@@ -2196,7 +2196,7 @@
           <p:cNvPr id="3" name="内容占位符 2">
             <a:extLst>
               <a:ext uri="{FF2B5EF4-FFF2-40B4-BE49-F238E27FC236}">
-                <a16:creationId xmlns:a16="http://schemas.microsoft.com/office/drawing/2014/main" id="{6AA0FB86-2AA4-8BD2-2EE9-BF92C6933659}"/>
+                <a16:creationId xmlns:a16="http://schemas.microsoft.com/office/drawing/2014/main" id="{AB6909E7-DDFE-9B88-3622-957FD0CF98D9}"/>
               </a:ext>
             </a:extLst>
           </p:cNvPr>
@@ -2286,7 +2286,7 @@
           <p:cNvPr id="4" name="文本占位符 3">
             <a:extLst>
               <a:ext uri="{FF2B5EF4-FFF2-40B4-BE49-F238E27FC236}">
-                <a16:creationId xmlns:a16="http://schemas.microsoft.com/office/drawing/2014/main" id="{5BA4B6DA-6D34-9B95-0EB1-A232937F0020}"/>
+                <a16:creationId xmlns:a16="http://schemas.microsoft.com/office/drawing/2014/main" id="{A637402C-3BC3-DA84-38A8-C958D0F5129E}"/>
               </a:ext>
             </a:extLst>
           </p:cNvPr>
@@ -2357,7 +2357,7 @@
           <p:cNvPr id="5" name="日期占位符 4">
             <a:extLst>
               <a:ext uri="{FF2B5EF4-FFF2-40B4-BE49-F238E27FC236}">
-                <a16:creationId xmlns:a16="http://schemas.microsoft.com/office/drawing/2014/main" id="{4675686F-DDE8-B409-3282-1366260D24A7}"/>
+                <a16:creationId xmlns:a16="http://schemas.microsoft.com/office/drawing/2014/main" id="{809DABF6-49B0-D4AD-6DC1-F80179B96F74}"/>
               </a:ext>
             </a:extLst>
           </p:cNvPr>
@@ -2373,7 +2373,7 @@
           <a:bodyPr/>
           <a:lstStyle/>
           <a:p>
-            <a:fld id="{D705EAA8-1949-4CF6-A1F5-D6217499C098}" type="datetimeFigureOut">
+            <a:fld id="{229A7C23-5E08-42B0-934D-8ADD76A9CB6A}" type="datetimeFigureOut">
               <a:rPr lang="zh-CN" altLang="en-US" smtClean="0"/>
               <a:t>2024/3/10</a:t>
             </a:fld>
@@ -2386,7 +2386,7 @@
           <p:cNvPr id="6" name="页脚占位符 5">
             <a:extLst>
               <a:ext uri="{FF2B5EF4-FFF2-40B4-BE49-F238E27FC236}">
-                <a16:creationId xmlns:a16="http://schemas.microsoft.com/office/drawing/2014/main" id="{F8CF92F8-EB5E-3C50-1674-803E7360DB5D}"/>
+                <a16:creationId xmlns:a16="http://schemas.microsoft.com/office/drawing/2014/main" id="{E13BD301-2082-45E4-EB50-F64595C756B4}"/>
               </a:ext>
             </a:extLst>
           </p:cNvPr>
@@ -2411,7 +2411,7 @@
           <p:cNvPr id="7" name="灯片编号占位符 6">
             <a:extLst>
               <a:ext uri="{FF2B5EF4-FFF2-40B4-BE49-F238E27FC236}">
-                <a16:creationId xmlns:a16="http://schemas.microsoft.com/office/drawing/2014/main" id="{30174629-39E0-280E-3A13-8C0153E98F26}"/>
+                <a16:creationId xmlns:a16="http://schemas.microsoft.com/office/drawing/2014/main" id="{F51EA452-B9A7-5615-E9B5-FA297DBAA6B0}"/>
               </a:ext>
             </a:extLst>
           </p:cNvPr>
@@ -2427,7 +2427,7 @@
           <a:bodyPr/>
           <a:lstStyle/>
           <a:p>
-            <a:fld id="{A9473069-E519-4F7A-BAE6-D040406376F6}" type="slidenum">
+            <a:fld id="{86AC8AA2-9053-4E09-9ECD-8709BAAAB842}" type="slidenum">
               <a:rPr lang="zh-CN" altLang="en-US" smtClean="0"/>
               <a:t>‹#›</a:t>
             </a:fld>
@@ -2438,7 +2438,7 @@
     </p:spTree>
     <p:extLst>
       <p:ext uri="{BB962C8B-B14F-4D97-AF65-F5344CB8AC3E}">
-        <p14:creationId xmlns:p14="http://schemas.microsoft.com/office/powerpoint/2010/main" val="2886532593"/>
+        <p14:creationId xmlns:p14="http://schemas.microsoft.com/office/powerpoint/2010/main" val="1986486230"/>
       </p:ext>
     </p:extLst>
   </p:cSld>
@@ -2470,7 +2470,7 @@
           <p:cNvPr id="2" name="标题 1">
             <a:extLst>
               <a:ext uri="{FF2B5EF4-FFF2-40B4-BE49-F238E27FC236}">
-                <a16:creationId xmlns:a16="http://schemas.microsoft.com/office/drawing/2014/main" id="{BF248C61-A37D-2FFE-3D23-9A120CED6F6F}"/>
+                <a16:creationId xmlns:a16="http://schemas.microsoft.com/office/drawing/2014/main" id="{B91C4E40-0B36-EFBF-7463-71E81EB85B72}"/>
               </a:ext>
             </a:extLst>
           </p:cNvPr>
@@ -2507,7 +2507,7 @@
           <p:cNvPr id="3" name="图片占位符 2">
             <a:extLst>
               <a:ext uri="{FF2B5EF4-FFF2-40B4-BE49-F238E27FC236}">
-                <a16:creationId xmlns:a16="http://schemas.microsoft.com/office/drawing/2014/main" id="{522D39DE-AA2B-54B1-77DA-A2531E86373F}"/>
+                <a16:creationId xmlns:a16="http://schemas.microsoft.com/office/drawing/2014/main" id="{15321261-0BE1-C320-799B-8C3596F258DB}"/>
               </a:ext>
             </a:extLst>
           </p:cNvPr>
@@ -2574,7 +2574,7 @@
           <p:cNvPr id="4" name="文本占位符 3">
             <a:extLst>
               <a:ext uri="{FF2B5EF4-FFF2-40B4-BE49-F238E27FC236}">
-                <a16:creationId xmlns:a16="http://schemas.microsoft.com/office/drawing/2014/main" id="{B25535DD-D69D-9586-8D12-419C22667943}"/>
+                <a16:creationId xmlns:a16="http://schemas.microsoft.com/office/drawing/2014/main" id="{052CB6D1-405C-4D2F-BF8E-3314DAB128CD}"/>
               </a:ext>
             </a:extLst>
           </p:cNvPr>
@@ -2645,7 +2645,7 @@
           <p:cNvPr id="5" name="日期占位符 4">
             <a:extLst>
               <a:ext uri="{FF2B5EF4-FFF2-40B4-BE49-F238E27FC236}">
-                <a16:creationId xmlns:a16="http://schemas.microsoft.com/office/drawing/2014/main" id="{695B1F90-6571-E91E-E06B-5862155E17A9}"/>
+                <a16:creationId xmlns:a16="http://schemas.microsoft.com/office/drawing/2014/main" id="{1057A5C3-FE0D-69C0-70E7-60A790E606E1}"/>
               </a:ext>
             </a:extLst>
           </p:cNvPr>
@@ -2661,7 +2661,7 @@
           <a:bodyPr/>
           <a:lstStyle/>
           <a:p>
-            <a:fld id="{D705EAA8-1949-4CF6-A1F5-D6217499C098}" type="datetimeFigureOut">
+            <a:fld id="{229A7C23-5E08-42B0-934D-8ADD76A9CB6A}" type="datetimeFigureOut">
               <a:rPr lang="zh-CN" altLang="en-US" smtClean="0"/>
               <a:t>2024/3/10</a:t>
             </a:fld>
@@ -2674,7 +2674,7 @@
           <p:cNvPr id="6" name="页脚占位符 5">
             <a:extLst>
               <a:ext uri="{FF2B5EF4-FFF2-40B4-BE49-F238E27FC236}">
-                <a16:creationId xmlns:a16="http://schemas.microsoft.com/office/drawing/2014/main" id="{1FF0FD04-D567-9909-6C40-FC8212B99DD7}"/>
+                <a16:creationId xmlns:a16="http://schemas.microsoft.com/office/drawing/2014/main" id="{E58EA5C6-5D3F-5BBE-E5E4-DDCE43631248}"/>
               </a:ext>
             </a:extLst>
           </p:cNvPr>
@@ -2699,7 +2699,7 @@
           <p:cNvPr id="7" name="灯片编号占位符 6">
             <a:extLst>
               <a:ext uri="{FF2B5EF4-FFF2-40B4-BE49-F238E27FC236}">
-                <a16:creationId xmlns:a16="http://schemas.microsoft.com/office/drawing/2014/main" id="{C5927D84-9E00-888F-BA1D-4E2D72A00D62}"/>
+                <a16:creationId xmlns:a16="http://schemas.microsoft.com/office/drawing/2014/main" id="{C7417A93-A151-2731-7899-91583EB33761}"/>
               </a:ext>
             </a:extLst>
           </p:cNvPr>
@@ -2715,7 +2715,7 @@
           <a:bodyPr/>
           <a:lstStyle/>
           <a:p>
-            <a:fld id="{A9473069-E519-4F7A-BAE6-D040406376F6}" type="slidenum">
+            <a:fld id="{86AC8AA2-9053-4E09-9ECD-8709BAAAB842}" type="slidenum">
               <a:rPr lang="zh-CN" altLang="en-US" smtClean="0"/>
               <a:t>‹#›</a:t>
             </a:fld>
@@ -2726,7 +2726,7 @@
     </p:spTree>
     <p:extLst>
       <p:ext uri="{BB962C8B-B14F-4D97-AF65-F5344CB8AC3E}">
-        <p14:creationId xmlns:p14="http://schemas.microsoft.com/office/powerpoint/2010/main" val="3137579796"/>
+        <p14:creationId xmlns:p14="http://schemas.microsoft.com/office/powerpoint/2010/main" val="1686905212"/>
       </p:ext>
     </p:extLst>
   </p:cSld>
@@ -2763,7 +2763,7 @@
           <p:cNvPr id="2" name="标题占位符 1">
             <a:extLst>
               <a:ext uri="{FF2B5EF4-FFF2-40B4-BE49-F238E27FC236}">
-                <a16:creationId xmlns:a16="http://schemas.microsoft.com/office/drawing/2014/main" id="{C76108ED-8F72-F606-E2C9-4CBED3EC1006}"/>
+                <a16:creationId xmlns:a16="http://schemas.microsoft.com/office/drawing/2014/main" id="{1EBF4100-5937-C40F-F9FA-EF3117817566}"/>
               </a:ext>
             </a:extLst>
           </p:cNvPr>
@@ -2801,7 +2801,7 @@
           <p:cNvPr id="3" name="文本占位符 2">
             <a:extLst>
               <a:ext uri="{FF2B5EF4-FFF2-40B4-BE49-F238E27FC236}">
-                <a16:creationId xmlns:a16="http://schemas.microsoft.com/office/drawing/2014/main" id="{719F8B22-F227-B968-235F-5B70DD941F31}"/>
+                <a16:creationId xmlns:a16="http://schemas.microsoft.com/office/drawing/2014/main" id="{86D57555-0670-D19B-AB18-2A68450FB6E4}"/>
               </a:ext>
             </a:extLst>
           </p:cNvPr>
@@ -2868,7 +2868,7 @@
           <p:cNvPr id="4" name="日期占位符 3">
             <a:extLst>
               <a:ext uri="{FF2B5EF4-FFF2-40B4-BE49-F238E27FC236}">
-                <a16:creationId xmlns:a16="http://schemas.microsoft.com/office/drawing/2014/main" id="{80D69979-8E03-BDE4-34B8-CD8521BEFB78}"/>
+                <a16:creationId xmlns:a16="http://schemas.microsoft.com/office/drawing/2014/main" id="{1FCE00A5-FF50-D305-BF5D-27F494194738}"/>
               </a:ext>
             </a:extLst>
           </p:cNvPr>
@@ -2902,7 +2902,7 @@
             </a:lvl1pPr>
           </a:lstStyle>
           <a:p>
-            <a:fld id="{D705EAA8-1949-4CF6-A1F5-D6217499C098}" type="datetimeFigureOut">
+            <a:fld id="{229A7C23-5E08-42B0-934D-8ADD76A9CB6A}" type="datetimeFigureOut">
               <a:rPr lang="zh-CN" altLang="en-US" smtClean="0"/>
               <a:t>2024/3/10</a:t>
             </a:fld>
@@ -2915,7 +2915,7 @@
           <p:cNvPr id="5" name="页脚占位符 4">
             <a:extLst>
               <a:ext uri="{FF2B5EF4-FFF2-40B4-BE49-F238E27FC236}">
-                <a16:creationId xmlns:a16="http://schemas.microsoft.com/office/drawing/2014/main" id="{4F40EE49-998C-9E5D-E24F-7206A45F2BCD}"/>
+                <a16:creationId xmlns:a16="http://schemas.microsoft.com/office/drawing/2014/main" id="{BDE38499-5651-8B3E-40D5-7237021FEAB8}"/>
               </a:ext>
             </a:extLst>
           </p:cNvPr>
@@ -2958,7 +2958,7 @@
           <p:cNvPr id="6" name="灯片编号占位符 5">
             <a:extLst>
               <a:ext uri="{FF2B5EF4-FFF2-40B4-BE49-F238E27FC236}">
-                <a16:creationId xmlns:a16="http://schemas.microsoft.com/office/drawing/2014/main" id="{86E8F91D-4250-94D0-CBE2-19B144EBDF1F}"/>
+                <a16:creationId xmlns:a16="http://schemas.microsoft.com/office/drawing/2014/main" id="{93C0E46C-062D-1B11-2DEC-DFB091E59AAD}"/>
               </a:ext>
             </a:extLst>
           </p:cNvPr>
@@ -2992,7 +2992,7 @@
             </a:lvl1pPr>
           </a:lstStyle>
           <a:p>
-            <a:fld id="{A9473069-E519-4F7A-BAE6-D040406376F6}" type="slidenum">
+            <a:fld id="{86AC8AA2-9053-4E09-9ECD-8709BAAAB842}" type="slidenum">
               <a:rPr lang="zh-CN" altLang="en-US" smtClean="0"/>
               <a:t>‹#›</a:t>
             </a:fld>
@@ -3003,7 +3003,7 @@
     </p:spTree>
     <p:extLst>
       <p:ext uri="{BB962C8B-B14F-4D97-AF65-F5344CB8AC3E}">
-        <p14:creationId xmlns:p14="http://schemas.microsoft.com/office/powerpoint/2010/main" val="1058785671"/>
+        <p14:creationId xmlns:p14="http://schemas.microsoft.com/office/powerpoint/2010/main" val="101627574"/>
       </p:ext>
     </p:extLst>
   </p:cSld>
@@ -3323,7 +3323,7 @@
       </p:grpSpPr>
       <p:pic>
         <p:nvPicPr>
-          <p:cNvPr id="1643522" name="Picture 2" descr="1604"/>
+          <p:cNvPr id="1644546" name="Picture 2" descr="1605"/>
           <p:cNvPicPr>
             <a:picLocks noChangeAspect="1" noChangeArrowheads="1"/>
           </p:cNvPicPr>
